--- a/paper/issta22/figs/overall.pptx
+++ b/paper/issta22/figs/overall.pptx
@@ -6,6 +6,7 @@
   </p:sldMasterIdLst>
   <p:sldIdLst>
     <p:sldId id="256" r:id="rId2"/>
+    <p:sldId id="257" r:id="rId3"/>
   </p:sldIdLst>
   <p:sldSz cx="12192000" cy="6858000"/>
   <p:notesSz cx="6858000" cy="9144000"/>
@@ -3323,10 +3324,10 @@
       </p:grpSpPr>
       <p:grpSp>
         <p:nvGrpSpPr>
-          <p:cNvPr id="59" name="Group 58">
-            <a:extLst>
-              <a:ext uri="{FF2B5EF4-FFF2-40B4-BE49-F238E27FC236}">
-                <a16:creationId xmlns:a16="http://schemas.microsoft.com/office/drawing/2014/main" id="{C53303C8-C987-1B48-B3FC-48EEC423852F}"/>
+          <p:cNvPr id="124" name="Group 123">
+            <a:extLst>
+              <a:ext uri="{FF2B5EF4-FFF2-40B4-BE49-F238E27FC236}">
+                <a16:creationId xmlns:a16="http://schemas.microsoft.com/office/drawing/2014/main" id="{4D484F5E-34C8-CE47-8A1F-5113C411DCED}"/>
               </a:ext>
             </a:extLst>
           </p:cNvPr>
@@ -3335,10 +3336,10 @@
         </p:nvGrpSpPr>
         <p:grpSpPr>
           <a:xfrm>
-            <a:off x="1278136" y="406683"/>
-            <a:ext cx="8760629" cy="5548739"/>
-            <a:chOff x="1278136" y="406683"/>
-            <a:chExt cx="8760629" cy="5548739"/>
+            <a:off x="2222700" y="1465976"/>
+            <a:ext cx="8329337" cy="3534320"/>
+            <a:chOff x="2222700" y="1465976"/>
+            <a:chExt cx="8329337" cy="3534320"/>
           </a:xfrm>
         </p:grpSpPr>
         <p:sp>
@@ -3355,8 +3356,8 @@
           </p:nvSpPr>
           <p:spPr>
             <a:xfrm>
-              <a:off x="3373823" y="1322986"/>
-              <a:ext cx="1219200" cy="2136229"/>
+              <a:off x="4289544" y="1465976"/>
+              <a:ext cx="1219200" cy="1663422"/>
             </a:xfrm>
             <a:prstGeom prst="roundRect">
               <a:avLst/>
@@ -3410,7 +3411,7 @@
           </p:nvSpPr>
           <p:spPr>
             <a:xfrm>
-              <a:off x="1823949" y="1776246"/>
+              <a:off x="2727839" y="1684119"/>
               <a:ext cx="901465" cy="369332"/>
             </a:xfrm>
             <a:prstGeom prst="rect">
@@ -3445,7 +3446,7 @@
           </p:nvSpPr>
           <p:spPr>
             <a:xfrm>
-              <a:off x="1318810" y="2617076"/>
+              <a:off x="2222700" y="2524949"/>
               <a:ext cx="1406604" cy="369332"/>
             </a:xfrm>
             <a:prstGeom prst="rect">
@@ -3480,8 +3481,8 @@
           </p:nvSpPr>
           <p:spPr>
             <a:xfrm>
-              <a:off x="5877710" y="1322988"/>
-              <a:ext cx="1219200" cy="2136229"/>
+              <a:off x="7012826" y="1465976"/>
+              <a:ext cx="1219200" cy="1663422"/>
             </a:xfrm>
             <a:prstGeom prst="roundRect">
               <a:avLst/>
@@ -3535,8 +3536,8 @@
           </p:nvSpPr>
           <p:spPr>
             <a:xfrm>
-              <a:off x="8179432" y="1330013"/>
-              <a:ext cx="1219200" cy="2136229"/>
+              <a:off x="7012826" y="3336873"/>
+              <a:ext cx="1219200" cy="1663423"/>
             </a:xfrm>
             <a:prstGeom prst="roundRect">
               <a:avLst/>
@@ -3590,7 +3591,7 @@
           </p:nvSpPr>
           <p:spPr>
             <a:xfrm>
-              <a:off x="4605316" y="1981198"/>
+              <a:off x="5617820" y="1920641"/>
               <a:ext cx="1285929" cy="369332"/>
             </a:xfrm>
             <a:prstGeom prst="rect">
@@ -3624,8 +3625,8 @@
             <p:nvPr/>
           </p:nvSpPr>
           <p:spPr>
-            <a:xfrm rot="5400000">
-              <a:off x="9226138" y="3274549"/>
+            <a:xfrm>
+              <a:off x="5632824" y="3799251"/>
               <a:ext cx="1255921" cy="369332"/>
             </a:xfrm>
             <a:prstGeom prst="rect">
@@ -3663,7 +3664,7 @@
           </p:nvCxnSpPr>
           <p:spPr>
             <a:xfrm>
-              <a:off x="2725414" y="1960912"/>
+              <a:off x="3629304" y="1868785"/>
               <a:ext cx="648409" cy="0"/>
             </a:xfrm>
             <a:prstGeom prst="straightConnector1">
@@ -3705,7 +3706,7 @@
           </p:nvCxnSpPr>
           <p:spPr>
             <a:xfrm>
-              <a:off x="2725414" y="2801742"/>
+              <a:off x="3629304" y="2709615"/>
               <a:ext cx="648409" cy="0"/>
             </a:xfrm>
             <a:prstGeom prst="straightConnector1">
@@ -3748,8 +3749,8 @@
           </p:nvCxnSpPr>
           <p:spPr>
             <a:xfrm>
-              <a:off x="4593023" y="2391101"/>
-              <a:ext cx="1284687" cy="2"/>
+              <a:off x="5508744" y="2297687"/>
+              <a:ext cx="1504082" cy="0"/>
             </a:xfrm>
             <a:prstGeom prst="straightConnector1">
               <a:avLst/>
@@ -3784,15 +3785,15 @@
             </p:cNvPr>
             <p:cNvCxnSpPr>
               <a:cxnSpLocks/>
-              <a:stCxn id="8" idx="3"/>
-              <a:endCxn id="9" idx="1"/>
+              <a:stCxn id="9" idx="1"/>
+              <a:endCxn id="29" idx="3"/>
             </p:cNvCxnSpPr>
             <p:nvPr/>
           </p:nvCxnSpPr>
           <p:spPr>
-            <a:xfrm>
-              <a:off x="7096910" y="2391103"/>
-              <a:ext cx="1082522" cy="7025"/>
+            <a:xfrm flipH="1" flipV="1">
+              <a:off x="5508744" y="4168584"/>
+              <a:ext cx="1504082" cy="1"/>
             </a:xfrm>
             <a:prstGeom prst="straightConnector1">
               <a:avLst/>
@@ -3830,8 +3831,8 @@
           </p:nvSpPr>
           <p:spPr>
             <a:xfrm>
-              <a:off x="8192410" y="3819193"/>
-              <a:ext cx="1219200" cy="2136229"/>
+              <a:off x="4289544" y="3336872"/>
+              <a:ext cx="1219200" cy="1663423"/>
             </a:xfrm>
             <a:prstGeom prst="roundRect">
               <a:avLst/>
@@ -3873,51 +3874,6 @@
         </p:sp>
         <p:cxnSp>
           <p:nvCxnSpPr>
-            <p:cNvPr id="31" name="Elbow Connector 30">
-              <a:extLst>
-                <a:ext uri="{FF2B5EF4-FFF2-40B4-BE49-F238E27FC236}">
-                  <a16:creationId xmlns:a16="http://schemas.microsoft.com/office/drawing/2014/main" id="{853173B1-36FC-314F-BF69-50F99BC0EEB8}"/>
-                </a:ext>
-              </a:extLst>
-            </p:cNvPr>
-            <p:cNvCxnSpPr>
-              <a:cxnSpLocks/>
-              <a:stCxn id="9" idx="3"/>
-              <a:endCxn id="29" idx="3"/>
-            </p:cNvCxnSpPr>
-            <p:nvPr/>
-          </p:nvCxnSpPr>
-          <p:spPr>
-            <a:xfrm>
-              <a:off x="9398632" y="2398128"/>
-              <a:ext cx="12978" cy="2489180"/>
-            </a:xfrm>
-            <a:prstGeom prst="bentConnector3">
-              <a:avLst>
-                <a:gd name="adj1" fmla="val 1861442"/>
-              </a:avLst>
-            </a:prstGeom>
-            <a:ln w="19050">
-              <a:tailEnd type="triangle"/>
-            </a:ln>
-          </p:spPr>
-          <p:style>
-            <a:lnRef idx="1">
-              <a:schemeClr val="dk1"/>
-            </a:lnRef>
-            <a:fillRef idx="0">
-              <a:schemeClr val="dk1"/>
-            </a:fillRef>
-            <a:effectRef idx="0">
-              <a:schemeClr val="dk1"/>
-            </a:effectRef>
-            <a:fontRef idx="minor">
-              <a:schemeClr val="tx1"/>
-            </a:fontRef>
-          </p:style>
-        </p:cxnSp>
-        <p:cxnSp>
-          <p:nvCxnSpPr>
             <p:cNvPr id="35" name="Straight Arrow Connector 34">
               <a:extLst>
                 <a:ext uri="{FF2B5EF4-FFF2-40B4-BE49-F238E27FC236}">
@@ -3934,8 +3890,8 @@
           </p:nvCxnSpPr>
           <p:spPr>
             <a:xfrm flipH="1" flipV="1">
-              <a:off x="7056793" y="4887307"/>
-              <a:ext cx="1135617" cy="1"/>
+              <a:off x="3495485" y="4168583"/>
+              <a:ext cx="794059" cy="1"/>
             </a:xfrm>
             <a:prstGeom prst="straightConnector1">
               <a:avLst/>
@@ -3973,7 +3929,7 @@
           </p:nvSpPr>
           <p:spPr>
             <a:xfrm>
-              <a:off x="5917827" y="4702641"/>
+              <a:off x="2356519" y="3983917"/>
               <a:ext cx="1138966" cy="369332"/>
             </a:xfrm>
             <a:prstGeom prst="rect">
@@ -4008,8 +3964,822 @@
           </p:nvSpPr>
           <p:spPr>
             <a:xfrm>
-              <a:off x="1278136" y="406683"/>
+              <a:off x="9108885" y="3983917"/>
               <a:ext cx="1443152" cy="923330"/>
+            </a:xfrm>
+            <a:prstGeom prst="rect">
+              <a:avLst/>
+            </a:prstGeom>
+            <a:noFill/>
+          </p:spPr>
+          <p:txBody>
+            <a:bodyPr wrap="none" rtlCol="0">
+              <a:spAutoFit/>
+            </a:bodyPr>
+            <a:lstStyle/>
+            <a:p>
+              <a:r>
+                <a:rPr lang="en-US" dirty="0"/>
+                <a:t>Reference </a:t>
+              </a:r>
+            </a:p>
+            <a:p>
+              <a:r>
+                <a:rPr lang="en-US" dirty="0"/>
+                <a:t>Context-Free </a:t>
+              </a:r>
+            </a:p>
+            <a:p>
+              <a:r>
+                <a:rPr lang="en-US" dirty="0"/>
+                <a:t>Grammar</a:t>
+              </a:r>
+            </a:p>
+          </p:txBody>
+        </p:sp>
+        <p:sp>
+          <p:nvSpPr>
+            <p:cNvPr id="46" name="TextBox 45">
+              <a:extLst>
+                <a:ext uri="{FF2B5EF4-FFF2-40B4-BE49-F238E27FC236}">
+                  <a16:creationId xmlns:a16="http://schemas.microsoft.com/office/drawing/2014/main" id="{0100EEEA-5940-1945-A6FC-5EE58EF36799}"/>
+                </a:ext>
+              </a:extLst>
+            </p:cNvPr>
+            <p:cNvSpPr txBox="1"/>
+            <p:nvPr/>
+          </p:nvSpPr>
+          <p:spPr>
+            <a:xfrm rot="5400000">
+              <a:off x="8344797" y="2807396"/>
+              <a:ext cx="1158843" cy="369332"/>
+            </a:xfrm>
+            <a:prstGeom prst="rect">
+              <a:avLst/>
+            </a:prstGeom>
+            <a:noFill/>
+          </p:spPr>
+          <p:txBody>
+            <a:bodyPr wrap="none" rtlCol="0">
+              <a:spAutoFit/>
+            </a:bodyPr>
+            <a:lstStyle/>
+            <a:p>
+              <a:r>
+                <a:rPr lang="en-US" dirty="0"/>
+                <a:t>Seed CFGs</a:t>
+              </a:r>
+            </a:p>
+          </p:txBody>
+        </p:sp>
+        <p:cxnSp>
+          <p:nvCxnSpPr>
+            <p:cNvPr id="107" name="Elbow Connector 106">
+              <a:extLst>
+                <a:ext uri="{FF2B5EF4-FFF2-40B4-BE49-F238E27FC236}">
+                  <a16:creationId xmlns:a16="http://schemas.microsoft.com/office/drawing/2014/main" id="{291D5A26-3B19-D44B-8358-C54D970DDC31}"/>
+                </a:ext>
+              </a:extLst>
+            </p:cNvPr>
+            <p:cNvCxnSpPr>
+              <a:cxnSpLocks/>
+              <a:stCxn id="8" idx="3"/>
+            </p:cNvCxnSpPr>
+            <p:nvPr/>
+          </p:nvCxnSpPr>
+          <p:spPr>
+            <a:xfrm flipH="1">
+              <a:off x="8224364" y="2297687"/>
+              <a:ext cx="7662" cy="1514871"/>
+            </a:xfrm>
+            <a:prstGeom prst="bentConnector4">
+              <a:avLst>
+                <a:gd name="adj1" fmla="val -6550104"/>
+                <a:gd name="adj2" fmla="val 99654"/>
+              </a:avLst>
+            </a:prstGeom>
+            <a:ln w="25400">
+              <a:tailEnd type="triangle"/>
+            </a:ln>
+          </p:spPr>
+          <p:style>
+            <a:lnRef idx="1">
+              <a:schemeClr val="dk1"/>
+            </a:lnRef>
+            <a:fillRef idx="0">
+              <a:schemeClr val="dk1"/>
+            </a:fillRef>
+            <a:effectRef idx="0">
+              <a:schemeClr val="dk1"/>
+            </a:effectRef>
+            <a:fontRef idx="minor">
+              <a:schemeClr val="tx1"/>
+            </a:fontRef>
+          </p:style>
+        </p:cxnSp>
+        <p:cxnSp>
+          <p:nvCxnSpPr>
+            <p:cNvPr id="118" name="Straight Arrow Connector 117">
+              <a:extLst>
+                <a:ext uri="{FF2B5EF4-FFF2-40B4-BE49-F238E27FC236}">
+                  <a16:creationId xmlns:a16="http://schemas.microsoft.com/office/drawing/2014/main" id="{CEE52AB2-33C5-5841-A364-B3AD7D8C9709}"/>
+                </a:ext>
+              </a:extLst>
+            </p:cNvPr>
+            <p:cNvCxnSpPr>
+              <a:cxnSpLocks/>
+              <a:stCxn id="40" idx="1"/>
+            </p:cNvCxnSpPr>
+            <p:nvPr/>
+          </p:nvCxnSpPr>
+          <p:spPr>
+            <a:xfrm flipH="1">
+              <a:off x="8224364" y="4445582"/>
+              <a:ext cx="884521" cy="0"/>
+            </a:xfrm>
+            <a:prstGeom prst="straightConnector1">
+              <a:avLst/>
+            </a:prstGeom>
+            <a:ln w="19050">
+              <a:tailEnd type="triangle"/>
+            </a:ln>
+          </p:spPr>
+          <p:style>
+            <a:lnRef idx="1">
+              <a:schemeClr val="dk1"/>
+            </a:lnRef>
+            <a:fillRef idx="0">
+              <a:schemeClr val="dk1"/>
+            </a:fillRef>
+            <a:effectRef idx="0">
+              <a:schemeClr val="dk1"/>
+            </a:effectRef>
+            <a:fontRef idx="minor">
+              <a:schemeClr val="tx1"/>
+            </a:fontRef>
+          </p:style>
+        </p:cxnSp>
+      </p:grpSp>
+    </p:spTree>
+    <p:extLst>
+      <p:ext uri="{BB962C8B-B14F-4D97-AF65-F5344CB8AC3E}">
+        <p14:creationId xmlns:p14="http://schemas.microsoft.com/office/powerpoint/2010/main" val="2119787278"/>
+      </p:ext>
+    </p:extLst>
+  </p:cSld>
+  <p:clrMapOvr>
+    <a:masterClrMapping/>
+  </p:clrMapOvr>
+</p:sld>
+</file>
+
+<file path=ppt/slides/slide2.xml><?xml version="1.0" encoding="utf-8"?>
+<p:sld xmlns:a="http://schemas.openxmlformats.org/drawingml/2006/main" xmlns:r="http://schemas.openxmlformats.org/officeDocument/2006/relationships" xmlns:p="http://schemas.openxmlformats.org/presentationml/2006/main">
+  <p:cSld>
+    <p:spTree>
+      <p:nvGrpSpPr>
+        <p:cNvPr id="1" name=""/>
+        <p:cNvGrpSpPr/>
+        <p:nvPr/>
+      </p:nvGrpSpPr>
+      <p:grpSpPr>
+        <a:xfrm>
+          <a:off x="0" y="0"/>
+          <a:ext cx="0" cy="0"/>
+          <a:chOff x="0" y="0"/>
+          <a:chExt cx="0" cy="0"/>
+        </a:xfrm>
+      </p:grpSpPr>
+      <p:grpSp>
+        <p:nvGrpSpPr>
+          <p:cNvPr id="74" name="Group 73">
+            <a:extLst>
+              <a:ext uri="{FF2B5EF4-FFF2-40B4-BE49-F238E27FC236}">
+                <a16:creationId xmlns:a16="http://schemas.microsoft.com/office/drawing/2014/main" id="{626CA7D6-C3A0-9D46-A1C1-23E9D32950D3}"/>
+              </a:ext>
+            </a:extLst>
+          </p:cNvPr>
+          <p:cNvGrpSpPr/>
+          <p:nvPr/>
+        </p:nvGrpSpPr>
+        <p:grpSpPr>
+          <a:xfrm>
+            <a:off x="2033514" y="1288880"/>
+            <a:ext cx="7164508" cy="4457650"/>
+            <a:chOff x="2033514" y="1288880"/>
+            <a:chExt cx="7164508" cy="4457650"/>
+          </a:xfrm>
+        </p:grpSpPr>
+        <p:sp>
+          <p:nvSpPr>
+            <p:cNvPr id="4" name="Rounded Rectangle 3">
+              <a:extLst>
+                <a:ext uri="{FF2B5EF4-FFF2-40B4-BE49-F238E27FC236}">
+                  <a16:creationId xmlns:a16="http://schemas.microsoft.com/office/drawing/2014/main" id="{369F87EE-B74A-944F-84D5-F75E6D2A4A86}"/>
+                </a:ext>
+              </a:extLst>
+            </p:cNvPr>
+            <p:cNvSpPr/>
+            <p:nvPr/>
+          </p:nvSpPr>
+          <p:spPr>
+            <a:xfrm>
+              <a:off x="4100358" y="2212210"/>
+              <a:ext cx="1219200" cy="1663422"/>
+            </a:xfrm>
+            <a:prstGeom prst="roundRect">
+              <a:avLst/>
+            </a:prstGeom>
+            <a:ln w="19050"/>
+          </p:spPr>
+          <p:style>
+            <a:lnRef idx="2">
+              <a:schemeClr val="dk1"/>
+            </a:lnRef>
+            <a:fillRef idx="1">
+              <a:schemeClr val="lt1"/>
+            </a:fillRef>
+            <a:effectRef idx="0">
+              <a:schemeClr val="dk1"/>
+            </a:effectRef>
+            <a:fontRef idx="minor">
+              <a:schemeClr val="dk1"/>
+            </a:fontRef>
+          </p:style>
+          <p:txBody>
+            <a:bodyPr rtlCol="0" anchor="ctr"/>
+            <a:lstStyle/>
+            <a:p>
+              <a:pPr algn="ctr"/>
+              <a:r>
+                <a:rPr lang="en-US" dirty="0"/>
+                <a:t>Seed</a:t>
+              </a:r>
+            </a:p>
+            <a:p>
+              <a:pPr algn="ctr"/>
+              <a:r>
+                <a:rPr lang="en-US" dirty="0"/>
+                <a:t>Finder</a:t>
+              </a:r>
+            </a:p>
+          </p:txBody>
+        </p:sp>
+        <p:sp>
+          <p:nvSpPr>
+            <p:cNvPr id="5" name="TextBox 4">
+              <a:extLst>
+                <a:ext uri="{FF2B5EF4-FFF2-40B4-BE49-F238E27FC236}">
+                  <a16:creationId xmlns:a16="http://schemas.microsoft.com/office/drawing/2014/main" id="{63242D01-86CA-8B43-9272-1E1B62122A8B}"/>
+                </a:ext>
+              </a:extLst>
+            </p:cNvPr>
+            <p:cNvSpPr txBox="1"/>
+            <p:nvPr/>
+          </p:nvSpPr>
+          <p:spPr>
+            <a:xfrm>
+              <a:off x="2538653" y="2430353"/>
+              <a:ext cx="901465" cy="369332"/>
+            </a:xfrm>
+            <a:prstGeom prst="rect">
+              <a:avLst/>
+            </a:prstGeom>
+            <a:noFill/>
+          </p:spPr>
+          <p:txBody>
+            <a:bodyPr wrap="none" rtlCol="0">
+              <a:spAutoFit/>
+            </a:bodyPr>
+            <a:lstStyle/>
+            <a:p>
+              <a:r>
+                <a:rPr lang="en-US" dirty="0"/>
+                <a:t>Dataset</a:t>
+              </a:r>
+            </a:p>
+          </p:txBody>
+        </p:sp>
+        <p:sp>
+          <p:nvSpPr>
+            <p:cNvPr id="6" name="TextBox 5">
+              <a:extLst>
+                <a:ext uri="{FF2B5EF4-FFF2-40B4-BE49-F238E27FC236}">
+                  <a16:creationId xmlns:a16="http://schemas.microsoft.com/office/drawing/2014/main" id="{FDE199D5-9989-854E-9F91-E681D1C92B86}"/>
+                </a:ext>
+              </a:extLst>
+            </p:cNvPr>
+            <p:cNvSpPr txBox="1"/>
+            <p:nvPr/>
+          </p:nvSpPr>
+          <p:spPr>
+            <a:xfrm>
+              <a:off x="2033514" y="3271183"/>
+              <a:ext cx="1406604" cy="369332"/>
+            </a:xfrm>
+            <a:prstGeom prst="rect">
+              <a:avLst/>
+            </a:prstGeom>
+            <a:noFill/>
+          </p:spPr>
+          <p:txBody>
+            <a:bodyPr wrap="none" rtlCol="0">
+              <a:spAutoFit/>
+            </a:bodyPr>
+            <a:lstStyle/>
+            <a:p>
+              <a:r>
+                <a:rPr lang="en-US" dirty="0"/>
+                <a:t>Requirement</a:t>
+              </a:r>
+            </a:p>
+          </p:txBody>
+        </p:sp>
+        <p:sp>
+          <p:nvSpPr>
+            <p:cNvPr id="8" name="Rounded Rectangle 7">
+              <a:extLst>
+                <a:ext uri="{FF2B5EF4-FFF2-40B4-BE49-F238E27FC236}">
+                  <a16:creationId xmlns:a16="http://schemas.microsoft.com/office/drawing/2014/main" id="{42C97641-59DA-D640-B305-C483B5406E7C}"/>
+                </a:ext>
+              </a:extLst>
+            </p:cNvPr>
+            <p:cNvSpPr/>
+            <p:nvPr/>
+          </p:nvSpPr>
+          <p:spPr>
+            <a:xfrm>
+              <a:off x="6823640" y="2212210"/>
+              <a:ext cx="1219200" cy="1663422"/>
+            </a:xfrm>
+            <a:prstGeom prst="roundRect">
+              <a:avLst/>
+            </a:prstGeom>
+            <a:ln w="19050"/>
+          </p:spPr>
+          <p:style>
+            <a:lnRef idx="2">
+              <a:schemeClr val="dk1"/>
+            </a:lnRef>
+            <a:fillRef idx="1">
+              <a:schemeClr val="lt1"/>
+            </a:fillRef>
+            <a:effectRef idx="0">
+              <a:schemeClr val="dk1"/>
+            </a:effectRef>
+            <a:fontRef idx="minor">
+              <a:schemeClr val="dk1"/>
+            </a:fontRef>
+          </p:style>
+          <p:txBody>
+            <a:bodyPr rtlCol="0" anchor="ctr"/>
+            <a:lstStyle/>
+            <a:p>
+              <a:pPr algn="ctr"/>
+              <a:endParaRPr lang="en-US" sz="1700" dirty="0"/>
+            </a:p>
+          </p:txBody>
+        </p:sp>
+        <p:sp>
+          <p:nvSpPr>
+            <p:cNvPr id="9" name="Rounded Rectangle 8">
+              <a:extLst>
+                <a:ext uri="{FF2B5EF4-FFF2-40B4-BE49-F238E27FC236}">
+                  <a16:creationId xmlns:a16="http://schemas.microsoft.com/office/drawing/2014/main" id="{992F1E86-3D04-E148-B182-6C69A1D0AA92}"/>
+                </a:ext>
+              </a:extLst>
+            </p:cNvPr>
+            <p:cNvSpPr/>
+            <p:nvPr/>
+          </p:nvSpPr>
+          <p:spPr>
+            <a:xfrm>
+              <a:off x="6823640" y="4083107"/>
+              <a:ext cx="1219200" cy="1663423"/>
+            </a:xfrm>
+            <a:prstGeom prst="roundRect">
+              <a:avLst/>
+            </a:prstGeom>
+            <a:ln w="19050"/>
+          </p:spPr>
+          <p:style>
+            <a:lnRef idx="2">
+              <a:schemeClr val="dk1"/>
+            </a:lnRef>
+            <a:fillRef idx="1">
+              <a:schemeClr val="lt1"/>
+            </a:fillRef>
+            <a:effectRef idx="0">
+              <a:schemeClr val="dk1"/>
+            </a:effectRef>
+            <a:fontRef idx="minor">
+              <a:schemeClr val="dk1"/>
+            </a:fontRef>
+          </p:style>
+          <p:txBody>
+            <a:bodyPr rtlCol="0" anchor="ctr"/>
+            <a:lstStyle/>
+            <a:p>
+              <a:pPr algn="ctr"/>
+              <a:r>
+                <a:rPr lang="en-US" sz="1700" dirty="0"/>
+                <a:t>Semantic</a:t>
+              </a:r>
+            </a:p>
+            <a:p>
+              <a:pPr algn="ctr"/>
+              <a:r>
+                <a:rPr lang="en-US" sz="1700" dirty="0"/>
+                <a:t>Expander</a:t>
+              </a:r>
+            </a:p>
+          </p:txBody>
+        </p:sp>
+        <p:sp>
+          <p:nvSpPr>
+            <p:cNvPr id="10" name="TextBox 9">
+              <a:extLst>
+                <a:ext uri="{FF2B5EF4-FFF2-40B4-BE49-F238E27FC236}">
+                  <a16:creationId xmlns:a16="http://schemas.microsoft.com/office/drawing/2014/main" id="{35AA4EB9-332C-DC48-A3B9-B1BDEC083C55}"/>
+                </a:ext>
+              </a:extLst>
+            </p:cNvPr>
+            <p:cNvSpPr txBox="1"/>
+            <p:nvPr/>
+          </p:nvSpPr>
+          <p:spPr>
+            <a:xfrm>
+              <a:off x="5428144" y="2329773"/>
+              <a:ext cx="1285929" cy="369332"/>
+            </a:xfrm>
+            <a:prstGeom prst="rect">
+              <a:avLst/>
+            </a:prstGeom>
+            <a:noFill/>
+          </p:spPr>
+          <p:txBody>
+            <a:bodyPr wrap="none" rtlCol="0">
+              <a:spAutoFit/>
+            </a:bodyPr>
+            <a:lstStyle/>
+            <a:p>
+              <a:r>
+                <a:rPr lang="en-US" dirty="0"/>
+                <a:t>Seed Inputs</a:t>
+              </a:r>
+            </a:p>
+          </p:txBody>
+        </p:sp>
+        <p:sp>
+          <p:nvSpPr>
+            <p:cNvPr id="11" name="TextBox 10">
+              <a:extLst>
+                <a:ext uri="{FF2B5EF4-FFF2-40B4-BE49-F238E27FC236}">
+                  <a16:creationId xmlns:a16="http://schemas.microsoft.com/office/drawing/2014/main" id="{A90C6267-80B1-C747-A80E-986DF9FCA04D}"/>
+                </a:ext>
+              </a:extLst>
+            </p:cNvPr>
+            <p:cNvSpPr txBox="1"/>
+            <p:nvPr/>
+          </p:nvSpPr>
+          <p:spPr>
+            <a:xfrm>
+              <a:off x="5443638" y="4843026"/>
+              <a:ext cx="1255921" cy="369332"/>
+            </a:xfrm>
+            <a:prstGeom prst="rect">
+              <a:avLst/>
+            </a:prstGeom>
+            <a:noFill/>
+          </p:spPr>
+          <p:txBody>
+            <a:bodyPr wrap="none" rtlCol="0">
+              <a:spAutoFit/>
+            </a:bodyPr>
+            <a:lstStyle/>
+            <a:p>
+              <a:r>
+                <a:rPr lang="en-US" dirty="0"/>
+                <a:t>New Inputs</a:t>
+              </a:r>
+            </a:p>
+          </p:txBody>
+        </p:sp>
+        <p:cxnSp>
+          <p:nvCxnSpPr>
+            <p:cNvPr id="15" name="Straight Arrow Connector 14">
+              <a:extLst>
+                <a:ext uri="{FF2B5EF4-FFF2-40B4-BE49-F238E27FC236}">
+                  <a16:creationId xmlns:a16="http://schemas.microsoft.com/office/drawing/2014/main" id="{B4D12801-F610-7147-B3A5-6D34FFCD9998}"/>
+                </a:ext>
+              </a:extLst>
+            </p:cNvPr>
+            <p:cNvCxnSpPr>
+              <a:cxnSpLocks/>
+              <a:stCxn id="5" idx="3"/>
+            </p:cNvCxnSpPr>
+            <p:nvPr/>
+          </p:nvCxnSpPr>
+          <p:spPr>
+            <a:xfrm>
+              <a:off x="3440118" y="2615019"/>
+              <a:ext cx="648409" cy="0"/>
+            </a:xfrm>
+            <a:prstGeom prst="straightConnector1">
+              <a:avLst/>
+            </a:prstGeom>
+            <a:ln w="19050">
+              <a:tailEnd type="triangle"/>
+            </a:ln>
+          </p:spPr>
+          <p:style>
+            <a:lnRef idx="1">
+              <a:schemeClr val="dk1"/>
+            </a:lnRef>
+            <a:fillRef idx="0">
+              <a:schemeClr val="dk1"/>
+            </a:fillRef>
+            <a:effectRef idx="0">
+              <a:schemeClr val="dk1"/>
+            </a:effectRef>
+            <a:fontRef idx="minor">
+              <a:schemeClr val="tx1"/>
+            </a:fontRef>
+          </p:style>
+        </p:cxnSp>
+        <p:cxnSp>
+          <p:nvCxnSpPr>
+            <p:cNvPr id="17" name="Straight Arrow Connector 16">
+              <a:extLst>
+                <a:ext uri="{FF2B5EF4-FFF2-40B4-BE49-F238E27FC236}">
+                  <a16:creationId xmlns:a16="http://schemas.microsoft.com/office/drawing/2014/main" id="{CB24E6F1-4FA3-774C-88CC-F47535F532A8}"/>
+                </a:ext>
+              </a:extLst>
+            </p:cNvPr>
+            <p:cNvCxnSpPr>
+              <a:cxnSpLocks/>
+              <a:stCxn id="6" idx="3"/>
+            </p:cNvCxnSpPr>
+            <p:nvPr/>
+          </p:nvCxnSpPr>
+          <p:spPr>
+            <a:xfrm>
+              <a:off x="3440118" y="3455849"/>
+              <a:ext cx="648409" cy="0"/>
+            </a:xfrm>
+            <a:prstGeom prst="straightConnector1">
+              <a:avLst/>
+            </a:prstGeom>
+            <a:ln w="19050">
+              <a:tailEnd type="triangle"/>
+            </a:ln>
+          </p:spPr>
+          <p:style>
+            <a:lnRef idx="1">
+              <a:schemeClr val="dk1"/>
+            </a:lnRef>
+            <a:fillRef idx="0">
+              <a:schemeClr val="dk1"/>
+            </a:fillRef>
+            <a:effectRef idx="0">
+              <a:schemeClr val="dk1"/>
+            </a:effectRef>
+            <a:fontRef idx="minor">
+              <a:schemeClr val="tx1"/>
+            </a:fontRef>
+          </p:style>
+        </p:cxnSp>
+        <p:cxnSp>
+          <p:nvCxnSpPr>
+            <p:cNvPr id="20" name="Straight Arrow Connector 19">
+              <a:extLst>
+                <a:ext uri="{FF2B5EF4-FFF2-40B4-BE49-F238E27FC236}">
+                  <a16:creationId xmlns:a16="http://schemas.microsoft.com/office/drawing/2014/main" id="{ECEB6725-DDE9-7A4A-A933-978CABC1682E}"/>
+                </a:ext>
+              </a:extLst>
+            </p:cNvPr>
+            <p:cNvCxnSpPr>
+              <a:cxnSpLocks/>
+            </p:cNvCxnSpPr>
+            <p:nvPr/>
+          </p:nvCxnSpPr>
+          <p:spPr>
+            <a:xfrm>
+              <a:off x="5319558" y="2699105"/>
+              <a:ext cx="1504082" cy="0"/>
+            </a:xfrm>
+            <a:prstGeom prst="straightConnector1">
+              <a:avLst/>
+            </a:prstGeom>
+            <a:ln w="19050">
+              <a:tailEnd type="triangle"/>
+            </a:ln>
+          </p:spPr>
+          <p:style>
+            <a:lnRef idx="1">
+              <a:schemeClr val="dk1"/>
+            </a:lnRef>
+            <a:fillRef idx="0">
+              <a:schemeClr val="dk1"/>
+            </a:fillRef>
+            <a:effectRef idx="0">
+              <a:schemeClr val="dk1"/>
+            </a:effectRef>
+            <a:fontRef idx="minor">
+              <a:schemeClr val="tx1"/>
+            </a:fontRef>
+          </p:style>
+        </p:cxnSp>
+        <p:cxnSp>
+          <p:nvCxnSpPr>
+            <p:cNvPr id="23" name="Straight Arrow Connector 22">
+              <a:extLst>
+                <a:ext uri="{FF2B5EF4-FFF2-40B4-BE49-F238E27FC236}">
+                  <a16:creationId xmlns:a16="http://schemas.microsoft.com/office/drawing/2014/main" id="{C8533171-C97F-8B40-B76A-A861FE8FAEAD}"/>
+                </a:ext>
+              </a:extLst>
+            </p:cNvPr>
+            <p:cNvCxnSpPr>
+              <a:cxnSpLocks/>
+            </p:cNvCxnSpPr>
+            <p:nvPr/>
+          </p:nvCxnSpPr>
+          <p:spPr>
+            <a:xfrm flipH="1" flipV="1">
+              <a:off x="5319558" y="5212359"/>
+              <a:ext cx="1504082" cy="1"/>
+            </a:xfrm>
+            <a:prstGeom prst="straightConnector1">
+              <a:avLst/>
+            </a:prstGeom>
+            <a:ln w="19050">
+              <a:tailEnd type="triangle"/>
+            </a:ln>
+          </p:spPr>
+          <p:style>
+            <a:lnRef idx="1">
+              <a:schemeClr val="dk1"/>
+            </a:lnRef>
+            <a:fillRef idx="0">
+              <a:schemeClr val="dk1"/>
+            </a:fillRef>
+            <a:effectRef idx="0">
+              <a:schemeClr val="dk1"/>
+            </a:effectRef>
+            <a:fontRef idx="minor">
+              <a:schemeClr val="tx1"/>
+            </a:fontRef>
+          </p:style>
+        </p:cxnSp>
+        <p:sp>
+          <p:nvSpPr>
+            <p:cNvPr id="29" name="Rounded Rectangle 28">
+              <a:extLst>
+                <a:ext uri="{FF2B5EF4-FFF2-40B4-BE49-F238E27FC236}">
+                  <a16:creationId xmlns:a16="http://schemas.microsoft.com/office/drawing/2014/main" id="{CB1E32C9-06A9-EC4F-B303-2CC7F90EB7C9}"/>
+                </a:ext>
+              </a:extLst>
+            </p:cNvPr>
+            <p:cNvSpPr/>
+            <p:nvPr/>
+          </p:nvSpPr>
+          <p:spPr>
+            <a:xfrm>
+              <a:off x="4100358" y="4083106"/>
+              <a:ext cx="1219200" cy="1663423"/>
+            </a:xfrm>
+            <a:prstGeom prst="roundRect">
+              <a:avLst/>
+            </a:prstGeom>
+            <a:ln w="19050"/>
+          </p:spPr>
+          <p:style>
+            <a:lnRef idx="2">
+              <a:schemeClr val="dk1"/>
+            </a:lnRef>
+            <a:fillRef idx="1">
+              <a:schemeClr val="lt1"/>
+            </a:fillRef>
+            <a:effectRef idx="0">
+              <a:schemeClr val="dk1"/>
+            </a:effectRef>
+            <a:fontRef idx="minor">
+              <a:schemeClr val="dk1"/>
+            </a:fontRef>
+          </p:style>
+          <p:txBody>
+            <a:bodyPr rtlCol="0" anchor="ctr"/>
+            <a:lstStyle/>
+            <a:p>
+              <a:pPr algn="ctr"/>
+              <a:r>
+                <a:rPr lang="en-US" sz="1700" dirty="0"/>
+                <a:t>Template</a:t>
+              </a:r>
+            </a:p>
+            <a:p>
+              <a:pPr algn="ctr"/>
+              <a:r>
+                <a:rPr lang="en-US" sz="1700" dirty="0"/>
+                <a:t>Generator</a:t>
+              </a:r>
+            </a:p>
+          </p:txBody>
+        </p:sp>
+        <p:cxnSp>
+          <p:nvCxnSpPr>
+            <p:cNvPr id="35" name="Straight Arrow Connector 34">
+              <a:extLst>
+                <a:ext uri="{FF2B5EF4-FFF2-40B4-BE49-F238E27FC236}">
+                  <a16:creationId xmlns:a16="http://schemas.microsoft.com/office/drawing/2014/main" id="{A513557A-935B-8440-8C01-F239453F8EF6}"/>
+                </a:ext>
+              </a:extLst>
+            </p:cNvPr>
+            <p:cNvCxnSpPr>
+              <a:cxnSpLocks/>
+              <a:stCxn id="29" idx="1"/>
+              <a:endCxn id="38" idx="3"/>
+            </p:cNvCxnSpPr>
+            <p:nvPr/>
+          </p:nvCxnSpPr>
+          <p:spPr>
+            <a:xfrm flipH="1" flipV="1">
+              <a:off x="3306299" y="4914817"/>
+              <a:ext cx="794059" cy="1"/>
+            </a:xfrm>
+            <a:prstGeom prst="straightConnector1">
+              <a:avLst/>
+            </a:prstGeom>
+            <a:ln w="19050">
+              <a:tailEnd type="triangle"/>
+            </a:ln>
+          </p:spPr>
+          <p:style>
+            <a:lnRef idx="1">
+              <a:schemeClr val="dk1"/>
+            </a:lnRef>
+            <a:fillRef idx="0">
+              <a:schemeClr val="dk1"/>
+            </a:fillRef>
+            <a:effectRef idx="0">
+              <a:schemeClr val="dk1"/>
+            </a:effectRef>
+            <a:fontRef idx="minor">
+              <a:schemeClr val="tx1"/>
+            </a:fontRef>
+          </p:style>
+        </p:cxnSp>
+        <p:sp>
+          <p:nvSpPr>
+            <p:cNvPr id="38" name="TextBox 37">
+              <a:extLst>
+                <a:ext uri="{FF2B5EF4-FFF2-40B4-BE49-F238E27FC236}">
+                  <a16:creationId xmlns:a16="http://schemas.microsoft.com/office/drawing/2014/main" id="{628D08A3-5AAA-D847-B27B-6BA19B56690A}"/>
+                </a:ext>
+              </a:extLst>
+            </p:cNvPr>
+            <p:cNvSpPr txBox="1"/>
+            <p:nvPr/>
+          </p:nvSpPr>
+          <p:spPr>
+            <a:xfrm>
+              <a:off x="2167333" y="4730151"/>
+              <a:ext cx="1138966" cy="369332"/>
+            </a:xfrm>
+            <a:prstGeom prst="rect">
+              <a:avLst/>
+            </a:prstGeom>
+            <a:noFill/>
+          </p:spPr>
+          <p:txBody>
+            <a:bodyPr wrap="none" rtlCol="0">
+              <a:spAutoFit/>
+            </a:bodyPr>
+            <a:lstStyle/>
+            <a:p>
+              <a:r>
+                <a:rPr lang="en-US" dirty="0"/>
+                <a:t>Templates</a:t>
+              </a:r>
+            </a:p>
+          </p:txBody>
+        </p:sp>
+        <p:sp>
+          <p:nvSpPr>
+            <p:cNvPr id="40" name="TextBox 39">
+              <a:extLst>
+                <a:ext uri="{FF2B5EF4-FFF2-40B4-BE49-F238E27FC236}">
+                  <a16:creationId xmlns:a16="http://schemas.microsoft.com/office/drawing/2014/main" id="{590B348B-F1D0-C04D-B0C6-D30795EB9F53}"/>
+                </a:ext>
+              </a:extLst>
+            </p:cNvPr>
+            <p:cNvSpPr txBox="1"/>
+            <p:nvPr/>
+          </p:nvSpPr>
+          <p:spPr>
+            <a:xfrm>
+              <a:off x="2260436" y="1288880"/>
+              <a:ext cx="1179682" cy="646331"/>
             </a:xfrm>
             <a:prstGeom prst="rect">
               <a:avLst/>
@@ -4032,67 +4802,17 @@
               <a:pPr algn="r"/>
               <a:r>
                 <a:rPr lang="en-US" dirty="0"/>
-                <a:t>Context-Free </a:t>
-              </a:r>
-            </a:p>
-            <a:p>
-              <a:pPr algn="r"/>
-              <a:r>
-                <a:rPr lang="en-US" dirty="0"/>
-                <a:t>Grammar</a:t>
+                <a:t>Corpora</a:t>
               </a:r>
             </a:p>
           </p:txBody>
         </p:sp>
-        <p:cxnSp>
-          <p:nvCxnSpPr>
-            <p:cNvPr id="42" name="Elbow Connector 41">
+        <p:sp>
+          <p:nvSpPr>
+            <p:cNvPr id="7" name="TextBox 6">
               <a:extLst>
                 <a:ext uri="{FF2B5EF4-FFF2-40B4-BE49-F238E27FC236}">
-                  <a16:creationId xmlns:a16="http://schemas.microsoft.com/office/drawing/2014/main" id="{780B4A46-3CB9-8447-B8A4-AF603A615ED7}"/>
-                </a:ext>
-              </a:extLst>
-            </p:cNvPr>
-            <p:cNvCxnSpPr>
-              <a:cxnSpLocks/>
-              <a:stCxn id="40" idx="3"/>
-              <a:endCxn id="9" idx="0"/>
-            </p:cNvCxnSpPr>
-            <p:nvPr/>
-          </p:nvCxnSpPr>
-          <p:spPr>
-            <a:xfrm>
-              <a:off x="2721288" y="868348"/>
-              <a:ext cx="6067744" cy="461665"/>
-            </a:xfrm>
-            <a:prstGeom prst="bentConnector2">
-              <a:avLst/>
-            </a:prstGeom>
-            <a:ln w="25400">
-              <a:tailEnd type="triangle"/>
-            </a:ln>
-          </p:spPr>
-          <p:style>
-            <a:lnRef idx="1">
-              <a:schemeClr val="dk1"/>
-            </a:lnRef>
-            <a:fillRef idx="0">
-              <a:schemeClr val="dk1"/>
-            </a:fillRef>
-            <a:effectRef idx="0">
-              <a:schemeClr val="dk1"/>
-            </a:effectRef>
-            <a:fontRef idx="minor">
-              <a:schemeClr val="tx1"/>
-            </a:fontRef>
-          </p:style>
-        </p:cxnSp>
-        <p:sp>
-          <p:nvSpPr>
-            <p:cNvPr id="46" name="TextBox 45">
-              <a:extLst>
-                <a:ext uri="{FF2B5EF4-FFF2-40B4-BE49-F238E27FC236}">
-                  <a16:creationId xmlns:a16="http://schemas.microsoft.com/office/drawing/2014/main" id="{0100EEEA-5940-1945-A6FC-5EE58EF36799}"/>
+                  <a16:creationId xmlns:a16="http://schemas.microsoft.com/office/drawing/2014/main" id="{CA4AF168-135D-3A41-BD0D-3F21EA6315DF}"/>
                 </a:ext>
               </a:extLst>
             </p:cNvPr>
@@ -4101,8 +4821,8 @@
           </p:nvSpPr>
           <p:spPr>
             <a:xfrm>
-              <a:off x="7096910" y="1981198"/>
-              <a:ext cx="1069075" cy="369332"/>
+              <a:off x="6895449" y="3132683"/>
+              <a:ext cx="1067921" cy="646331"/>
             </a:xfrm>
             <a:prstGeom prst="rect">
               <a:avLst/>
@@ -4115,10 +4835,374 @@
             </a:bodyPr>
             <a:lstStyle/>
             <a:p>
+              <a:pPr algn="ctr"/>
               <a:r>
                 <a:rPr lang="en-US" dirty="0"/>
-                <a:t>Seed CFG</a:t>
+                <a:t>CFG</a:t>
               </a:r>
+            </a:p>
+            <a:p>
+              <a:pPr algn="ctr"/>
+              <a:r>
+                <a:rPr lang="en-US" dirty="0"/>
+                <a:t>Expander</a:t>
+              </a:r>
+            </a:p>
+          </p:txBody>
+        </p:sp>
+        <p:cxnSp>
+          <p:nvCxnSpPr>
+            <p:cNvPr id="13" name="Straight Connector 12">
+              <a:extLst>
+                <a:ext uri="{FF2B5EF4-FFF2-40B4-BE49-F238E27FC236}">
+                  <a16:creationId xmlns:a16="http://schemas.microsoft.com/office/drawing/2014/main" id="{B787DB82-A223-A240-810A-C620FE035199}"/>
+                </a:ext>
+              </a:extLst>
+            </p:cNvPr>
+            <p:cNvCxnSpPr>
+              <a:stCxn id="8" idx="1"/>
+              <a:endCxn id="8" idx="3"/>
+            </p:cNvCxnSpPr>
+            <p:nvPr/>
+          </p:nvCxnSpPr>
+          <p:spPr>
+            <a:xfrm>
+              <a:off x="6823640" y="3043921"/>
+              <a:ext cx="1219200" cy="0"/>
+            </a:xfrm>
+            <a:prstGeom prst="line">
+              <a:avLst/>
+            </a:prstGeom>
+          </p:spPr>
+          <p:style>
+            <a:lnRef idx="1">
+              <a:schemeClr val="dk1"/>
+            </a:lnRef>
+            <a:fillRef idx="0">
+              <a:schemeClr val="dk1"/>
+            </a:fillRef>
+            <a:effectRef idx="0">
+              <a:schemeClr val="dk1"/>
+            </a:effectRef>
+            <a:fontRef idx="minor">
+              <a:schemeClr val="tx1"/>
+            </a:fontRef>
+          </p:style>
+        </p:cxnSp>
+        <p:sp>
+          <p:nvSpPr>
+            <p:cNvPr id="26" name="TextBox 25">
+              <a:extLst>
+                <a:ext uri="{FF2B5EF4-FFF2-40B4-BE49-F238E27FC236}">
+                  <a16:creationId xmlns:a16="http://schemas.microsoft.com/office/drawing/2014/main" id="{BB5E7A20-4492-5B4E-A360-1DF774CEFB48}"/>
+                </a:ext>
+              </a:extLst>
+            </p:cNvPr>
+            <p:cNvSpPr txBox="1"/>
+            <p:nvPr/>
+          </p:nvSpPr>
+          <p:spPr>
+            <a:xfrm>
+              <a:off x="6935878" y="2343709"/>
+              <a:ext cx="987066" cy="646331"/>
+            </a:xfrm>
+            <a:prstGeom prst="rect">
+              <a:avLst/>
+            </a:prstGeom>
+            <a:noFill/>
+          </p:spPr>
+          <p:txBody>
+            <a:bodyPr wrap="none" rtlCol="0">
+              <a:spAutoFit/>
+            </a:bodyPr>
+            <a:lstStyle/>
+            <a:p>
+              <a:pPr algn="ctr"/>
+              <a:r>
+                <a:rPr lang="en-US" dirty="0"/>
+                <a:t>CFG</a:t>
+              </a:r>
+            </a:p>
+            <a:p>
+              <a:pPr algn="ctr"/>
+              <a:r>
+                <a:rPr lang="en-US" dirty="0"/>
+                <a:t>Analyzer</a:t>
+              </a:r>
+            </a:p>
+          </p:txBody>
+        </p:sp>
+        <p:cxnSp>
+          <p:nvCxnSpPr>
+            <p:cNvPr id="24" name="Elbow Connector 23">
+              <a:extLst>
+                <a:ext uri="{FF2B5EF4-FFF2-40B4-BE49-F238E27FC236}">
+                  <a16:creationId xmlns:a16="http://schemas.microsoft.com/office/drawing/2014/main" id="{2816E189-A962-184C-9B6E-16760FA70320}"/>
+                </a:ext>
+              </a:extLst>
+            </p:cNvPr>
+            <p:cNvCxnSpPr>
+              <a:cxnSpLocks/>
+              <a:stCxn id="40" idx="3"/>
+              <a:endCxn id="8" idx="0"/>
+            </p:cNvCxnSpPr>
+            <p:nvPr/>
+          </p:nvCxnSpPr>
+          <p:spPr>
+            <a:xfrm>
+              <a:off x="3440118" y="1612046"/>
+              <a:ext cx="3993122" cy="600164"/>
+            </a:xfrm>
+            <a:prstGeom prst="bentConnector2">
+              <a:avLst/>
+            </a:prstGeom>
+            <a:ln w="19050">
+              <a:tailEnd type="triangle"/>
+            </a:ln>
+          </p:spPr>
+          <p:style>
+            <a:lnRef idx="1">
+              <a:schemeClr val="dk1"/>
+            </a:lnRef>
+            <a:fillRef idx="0">
+              <a:schemeClr val="dk1"/>
+            </a:fillRef>
+            <a:effectRef idx="0">
+              <a:schemeClr val="dk1"/>
+            </a:effectRef>
+            <a:fontRef idx="minor">
+              <a:schemeClr val="tx1"/>
+            </a:fontRef>
+          </p:style>
+        </p:cxnSp>
+        <p:grpSp>
+          <p:nvGrpSpPr>
+            <p:cNvPr id="59" name="Group 58">
+              <a:extLst>
+                <a:ext uri="{FF2B5EF4-FFF2-40B4-BE49-F238E27FC236}">
+                  <a16:creationId xmlns:a16="http://schemas.microsoft.com/office/drawing/2014/main" id="{C43EC1C2-D3C1-3244-ADA3-15332A19811F}"/>
+                </a:ext>
+              </a:extLst>
+            </p:cNvPr>
+            <p:cNvGrpSpPr/>
+            <p:nvPr/>
+          </p:nvGrpSpPr>
+          <p:grpSpPr>
+            <a:xfrm>
+              <a:off x="8042840" y="3321063"/>
+              <a:ext cx="785850" cy="1593756"/>
+              <a:chOff x="8042840" y="3416433"/>
+              <a:chExt cx="785850" cy="1498386"/>
+            </a:xfrm>
+          </p:grpSpPr>
+          <p:cxnSp>
+            <p:nvCxnSpPr>
+              <p:cNvPr id="107" name="Elbow Connector 106">
+                <a:extLst>
+                  <a:ext uri="{FF2B5EF4-FFF2-40B4-BE49-F238E27FC236}">
+                    <a16:creationId xmlns:a16="http://schemas.microsoft.com/office/drawing/2014/main" id="{291D5A26-3B19-D44B-8358-C54D970DDC31}"/>
+                  </a:ext>
+                </a:extLst>
+              </p:cNvPr>
+              <p:cNvCxnSpPr>
+                <a:cxnSpLocks/>
+                <a:endCxn id="9" idx="3"/>
+              </p:cNvCxnSpPr>
+              <p:nvPr/>
+            </p:nvCxnSpPr>
+            <p:spPr>
+              <a:xfrm rot="5400000">
+                <a:off x="7686572" y="3772701"/>
+                <a:ext cx="1498386" cy="785850"/>
+              </a:xfrm>
+              <a:prstGeom prst="bentConnector2">
+                <a:avLst/>
+              </a:prstGeom>
+              <a:ln w="19050">
+                <a:tailEnd type="triangle"/>
+              </a:ln>
+            </p:spPr>
+            <p:style>
+              <a:lnRef idx="1">
+                <a:schemeClr val="dk1"/>
+              </a:lnRef>
+              <a:fillRef idx="0">
+                <a:schemeClr val="dk1"/>
+              </a:fillRef>
+              <a:effectRef idx="0">
+                <a:schemeClr val="dk1"/>
+              </a:effectRef>
+              <a:fontRef idx="minor">
+                <a:schemeClr val="tx1"/>
+              </a:fontRef>
+            </p:style>
+          </p:cxnSp>
+          <p:cxnSp>
+            <p:nvCxnSpPr>
+              <p:cNvPr id="56" name="Straight Connector 55">
+                <a:extLst>
+                  <a:ext uri="{FF2B5EF4-FFF2-40B4-BE49-F238E27FC236}">
+                    <a16:creationId xmlns:a16="http://schemas.microsoft.com/office/drawing/2014/main" id="{BCF19005-9066-464C-83EF-EC005DEE7838}"/>
+                  </a:ext>
+                </a:extLst>
+              </p:cNvPr>
+              <p:cNvCxnSpPr/>
+              <p:nvPr/>
+            </p:nvCxnSpPr>
+            <p:spPr>
+              <a:xfrm>
+                <a:off x="8042840" y="3429000"/>
+                <a:ext cx="785850" cy="0"/>
+              </a:xfrm>
+              <a:prstGeom prst="line">
+                <a:avLst/>
+              </a:prstGeom>
+              <a:ln w="19050">
+                <a:solidFill>
+                  <a:schemeClr val="dk1"/>
+                </a:solidFill>
+              </a:ln>
+            </p:spPr>
+            <p:style>
+              <a:lnRef idx="1">
+                <a:schemeClr val="dk1"/>
+              </a:lnRef>
+              <a:fillRef idx="0">
+                <a:schemeClr val="dk1"/>
+              </a:fillRef>
+              <a:effectRef idx="0">
+                <a:schemeClr val="dk1"/>
+              </a:effectRef>
+              <a:fontRef idx="minor">
+                <a:schemeClr val="tx1"/>
+              </a:fontRef>
+            </p:style>
+          </p:cxnSp>
+        </p:grpSp>
+        <p:sp>
+          <p:nvSpPr>
+            <p:cNvPr id="68" name="TextBox 67">
+              <a:extLst>
+                <a:ext uri="{FF2B5EF4-FFF2-40B4-BE49-F238E27FC236}">
+                  <a16:creationId xmlns:a16="http://schemas.microsoft.com/office/drawing/2014/main" id="{B60C024D-8273-9644-836A-FCE81062DEC3}"/>
+                </a:ext>
+              </a:extLst>
+            </p:cNvPr>
+            <p:cNvSpPr txBox="1"/>
+            <p:nvPr/>
+          </p:nvSpPr>
+          <p:spPr>
+            <a:xfrm rot="5400000">
+              <a:off x="8216478" y="3926937"/>
+              <a:ext cx="1593755" cy="369332"/>
+            </a:xfrm>
+            <a:prstGeom prst="rect">
+              <a:avLst/>
+            </a:prstGeom>
+            <a:noFill/>
+          </p:spPr>
+          <p:txBody>
+            <a:bodyPr wrap="square" rtlCol="0">
+              <a:spAutoFit/>
+            </a:bodyPr>
+            <a:lstStyle/>
+            <a:p>
+              <a:pPr algn="ctr"/>
+              <a:r>
+                <a:rPr lang="en-US" dirty="0"/>
+                <a:t>New CFG</a:t>
+              </a:r>
+            </a:p>
+          </p:txBody>
+        </p:sp>
+        <p:cxnSp>
+          <p:nvCxnSpPr>
+            <p:cNvPr id="69" name="Elbow Connector 68">
+              <a:extLst>
+                <a:ext uri="{FF2B5EF4-FFF2-40B4-BE49-F238E27FC236}">
+                  <a16:creationId xmlns:a16="http://schemas.microsoft.com/office/drawing/2014/main" id="{9453F594-0346-9443-8D1D-C8F6825BADB3}"/>
+                </a:ext>
+              </a:extLst>
+            </p:cNvPr>
+            <p:cNvCxnSpPr>
+              <a:cxnSpLocks/>
+              <a:stCxn id="10" idx="2"/>
+            </p:cNvCxnSpPr>
+            <p:nvPr/>
+          </p:nvCxnSpPr>
+          <p:spPr>
+            <a:xfrm rot="5400000">
+              <a:off x="4758024" y="3260646"/>
+              <a:ext cx="1874627" cy="751545"/>
+            </a:xfrm>
+            <a:prstGeom prst="bentConnector3">
+              <a:avLst>
+                <a:gd name="adj1" fmla="val 99939"/>
+              </a:avLst>
+            </a:prstGeom>
+            <a:ln w="19050">
+              <a:tailEnd type="triangle"/>
+            </a:ln>
+          </p:spPr>
+          <p:style>
+            <a:lnRef idx="1">
+              <a:schemeClr val="dk1"/>
+            </a:lnRef>
+            <a:fillRef idx="0">
+              <a:schemeClr val="dk1"/>
+            </a:fillRef>
+            <a:effectRef idx="0">
+              <a:schemeClr val="dk1"/>
+            </a:effectRef>
+            <a:fontRef idx="minor">
+              <a:schemeClr val="tx1"/>
+            </a:fontRef>
+          </p:style>
+        </p:cxnSp>
+        <p:sp>
+          <p:nvSpPr>
+            <p:cNvPr id="73" name="Oval 72">
+              <a:extLst>
+                <a:ext uri="{FF2B5EF4-FFF2-40B4-BE49-F238E27FC236}">
+                  <a16:creationId xmlns:a16="http://schemas.microsoft.com/office/drawing/2014/main" id="{7227D7C0-A741-DF42-973A-D885FEA2BB65}"/>
+                </a:ext>
+              </a:extLst>
+            </p:cNvPr>
+            <p:cNvSpPr/>
+            <p:nvPr/>
+          </p:nvSpPr>
+          <p:spPr>
+            <a:xfrm flipH="1" flipV="1">
+              <a:off x="6044296" y="2672113"/>
+              <a:ext cx="58963" cy="57994"/>
+            </a:xfrm>
+            <a:prstGeom prst="ellipse">
+              <a:avLst/>
+            </a:prstGeom>
+            <a:ln w="0"/>
+          </p:spPr>
+          <p:style>
+            <a:lnRef idx="2">
+              <a:schemeClr val="dk1">
+                <a:shade val="50000"/>
+              </a:schemeClr>
+            </a:lnRef>
+            <a:fillRef idx="1">
+              <a:schemeClr val="dk1"/>
+            </a:fillRef>
+            <a:effectRef idx="0">
+              <a:schemeClr val="dk1"/>
+            </a:effectRef>
+            <a:fontRef idx="minor">
+              <a:schemeClr val="lt1"/>
+            </a:fontRef>
+          </p:style>
+          <p:txBody>
+            <a:bodyPr rtlCol="0" anchor="ctr"/>
+            <a:lstStyle/>
+            <a:p>
+              <a:pPr algn="ctr"/>
+              <a:endParaRPr lang="en-US"/>
             </a:p>
           </p:txBody>
         </p:sp>
@@ -4126,7 +5210,7 @@
     </p:spTree>
     <p:extLst>
       <p:ext uri="{BB962C8B-B14F-4D97-AF65-F5344CB8AC3E}">
-        <p14:creationId xmlns:p14="http://schemas.microsoft.com/office/powerpoint/2010/main" val="2119787278"/>
+        <p14:creationId xmlns:p14="http://schemas.microsoft.com/office/powerpoint/2010/main" val="4215511923"/>
       </p:ext>
     </p:extLst>
   </p:cSld>
